--- a/App_Modernization_Business_Slides.pptx
+++ b/App_Modernization_Business_Slides.pptx
@@ -3236,11 +3236,12 @@
               <a:rPr>
                 <a:latin typeface="Courier"/>
               </a:rPr>
-              <a:t>👥 Team of 5 Architects
-⏱️  6 weeks per application
-📋 200+ page documents
-💰 $50,000+ per assessment
-❌ Problems:
+              <a:t>MANUAL ASSESSMENT APPROACH:
+- Team of 5 Architects
+- 6 weeks per application
+- 200+ page documents
+- $50,000+ per assessment
+PROBLEMS:
 ├── Inconsistent Results
 ├── Human Error Prone
 ├── Doesn't Scale
@@ -3515,12 +3516,12 @@
               <a:rPr>
                 <a:latin typeface="Courier"/>
               </a:rPr>
-              <a:t>🏢 Monolithic Architecture
+              <a:t>MONOLITHIC ARCHITECTURE:
 ├── Single Java WAR (50GB)
 ├── Oracle Database
 ├── Physical Servers
 └── 6-month Release Cycle
-📊 Business Impact:
+BUSINESS IMPACT:
 ├── $500K/month Infrastructure
 ├── 2-day Deployment Process
 ├── Cannot Handle Black Friday
@@ -3613,10 +3614,10 @@
               <a:t>graph TD
     A[E-commerce App] --&gt; B[Konveyor Analysis]
     B --&gt; C[Assessment Report]
-    C --&gt; D[✅ Suitable for Containers]
-    C --&gt; E[⚠️ Database Dependencies]
-    C --&gt; F[🔄 3rd Party Integrations]
-    C --&gt; G[📊 Migration Complexity: Medium]</a:t>
+    C --&gt; D[PASS: Suitable for Containers]
+    C --&gt; E[WARN: Database Dependencies]
+    C --&gt; F[INFO: 3rd Party Integrations]
+    C --&gt; G[RESULT: Migration Complexity - Medium]</a:t>
             </a:r>
           </a:p>
           <a:p>
@@ -3714,14 +3715,14 @@
               <a:t>┌─────────────────────────────────────┐
 │           Physical Server           │
 ├─────────────────────────────────────┤
-│  🏢 E-commerce App (50GB WAR)       │
+│  [APP] E-commerce App (50GB WAR)     │
 │  ├── User Management               │
 │  ├── Product Catalog              │
 │  ├── Shopping Cart                │
 │  ├── Payment Processing           │
 │  └── Order Management             │
 │                                   │
-│  🗄️  Oracle Database (On-premise)  │
+│  [DB] Oracle Database (On-premise)   │
 └─────────────────────────────────────┘</a:t>
             </a:r>
           </a:p>
@@ -3811,14 +3812,14 @@
               <a:t>┌─────────────────────────────────────────────┐
 │              Kubernetes Cluster             │
 ├─────────────────────────────────────────────┤
-│  🐳 Users    🐳 Products   🐳 Cart         │
-│  Service     Service       Service          │
+│  [SVC] Users  [SVC] Products [SVC] Cart     │
+│  Service      Service       Service         │
 │                                             │
-│  🐳 Payment  🐳 Orders     🐳 Gateway       │
-│  Service     Service       Service          │
+│  [SVC] Payment [SVC] Orders [SVC] Gateway  │
+│  Service       Service      Service         │
 │                                             │
-│  ☁️ Managed Database  📊 Monitoring        │
-│                       🔒 Security          │
+│  [DB] Managed Database [MON] Monitoring    │
+│                        [SEC] Security      │
 └─────────────────────────────────────────────┘</a:t>
             </a:r>
           </a:p>
@@ -4113,10 +4114,6 @@
                         <a:buNone/>
                       </a:pPr>
                       <a:r>
-                        <a:rPr/>
-                        <a:t>🚀 </a:t>
-                      </a:r>
-                      <a:r>
                         <a:rPr b="1"/>
                         <a:t>Deployment</a:t>
                       </a:r>
@@ -4182,10 +4179,6 @@
                       <a:pPr lvl="0" indent="0" marL="0">
                         <a:buNone/>
                       </a:pPr>
-                      <a:r>
-                        <a:rPr/>
-                        <a:t>💰 </a:t>
-                      </a:r>
                       <a:r>
                         <a:rPr b="1"/>
                         <a:t>Infrastructure</a:t>
@@ -4253,10 +4246,6 @@
                         <a:buNone/>
                       </a:pPr>
                       <a:r>
-                        <a:rPr/>
-                        <a:t>⚡ </a:t>
-                      </a:r>
-                      <a:r>
                         <a:rPr b="1"/>
                         <a:t>Scalability</a:t>
                       </a:r>
@@ -4323,10 +4312,6 @@
                         <a:buNone/>
                       </a:pPr>
                       <a:r>
-                        <a:rPr/>
-                        <a:t>🔧 </a:t>
-                      </a:r>
-                      <a:r>
                         <a:rPr b="1"/>
                         <a:t>Releases</a:t>
                       </a:r>
@@ -4392,10 +4377,6 @@
                       <a:pPr lvl="0" indent="0" marL="0">
                         <a:buNone/>
                       </a:pPr>
-                      <a:r>
-                        <a:rPr/>
-                        <a:t>⚠️ </a:t>
-                      </a:r>
                       <a:r>
                         <a:rPr b="1"/>
                         <a:t>Downtime</a:t>
@@ -4670,7 +4651,7 @@
             </a:pPr>
             <a:r>
               <a:rPr b="1"/>
-              <a:t>Assessment Complete ✅</a:t>
+              <a:t>Assessment Complete</a:t>
             </a:r>
           </a:p>
           <a:p>
@@ -4681,12 +4662,12 @@
               <a:rPr>
                 <a:latin typeface="Courier"/>
               </a:rPr>
-              <a:t>📊 Modernization Readiness Score: 85/100
-🎯 Recommended Path: Containerization → Kubernetes
-⏱️  Estimated Timeline: 3-4 weeks  
-💰 Expected ROI: 300% in 12 months
-🚀 Migration Confidence: High
-✅ Ready for Cloud Native Transformation</a:t>
+              <a:t>MODERNIZATION READINESS SCORE: 85/100
+RECOMMENDED PATH: Containerization → Kubernetes
+ESTIMATED TIMELINE: 3-4 weeks  
+EXPECTED ROI: 300% in 12 months
+MIGRATION CONFIDENCE: High
+RESULT: Ready for Cloud Native Transformation</a:t>
             </a:r>
           </a:p>
           <a:p>
@@ -5033,9 +5014,9 @@
                 <a:latin typeface="Courier"/>
               </a:rPr>
               <a:t>graph TD
-    A[📊 Assess Portfolio] --&gt; B[🎯 Prioritize Applications]
-    B --&gt; C[🚀 Start with Quick Wins]
-    C --&gt; D[📈 Scale Success Patterns]
+    A[Assess Portfolio] --&gt; B[Prioritize Applications]
+    B --&gt; C[Start with Quick Wins]
+    C --&gt; D[Scale Success Patterns]
     A --&gt; A1[Use AI Assessment Tools]
     B --&gt; B1[Focus on Business Value]
     C --&gt; C1[Prove ROI Early]
@@ -5125,15 +5106,15 @@
               <a:rPr>
                 <a:latin typeface="Courier"/>
               </a:rPr>
-              <a:t>🎯 Executive Sponsorship
+              <a:t>EXECUTIVE SPONSORSHIP
    └── Clear business objectives
-👥 Cross-functional Teams  
+CROSS-FUNCTIONAL TEAMS  
    └── DevOps culture adoption
-🔧 Right Tools &amp; Platforms
+RIGHT TOOLS &amp; PLATFORMS
    └── AI-powered assessment
-📊 Measure Everything
+MEASURE EVERYTHING
    └── ROI tracking &amp; optimization
-🎓 Skills Development
+SKILLS DEVELOPMENT
    └── Cloud-native expertise</a:t>
             </a:r>
           </a:p>
@@ -5217,12 +5198,8 @@
               <a:buNone/>
             </a:pPr>
             <a:r>
-              <a:rPr/>
-              <a:t>❌ </a:t>
-            </a:r>
-            <a:r>
               <a:rPr b="1"/>
-              <a:t>Big Bang Approach</a:t>
+              <a:t>AVOID: Big Bang Approach</a:t>
             </a:r>
             <a:br/>
             <a:r>
@@ -5235,12 +5212,8 @@
               <a:buNone/>
             </a:pPr>
             <a:r>
-              <a:rPr/>
-              <a:t>❌ </a:t>
-            </a:r>
-            <a:r>
               <a:rPr b="1"/>
-              <a:t>Lift &amp; Shift Everything</a:t>
+              <a:t>AVOID: Lift &amp; Shift Everything</a:t>
             </a:r>
             <a:br/>
             <a:r>
@@ -5253,12 +5226,8 @@
               <a:buNone/>
             </a:pPr>
             <a:r>
-              <a:rPr/>
-              <a:t>❌ </a:t>
-            </a:r>
-            <a:r>
               <a:rPr b="1"/>
-              <a:t>Ignoring Data Strategy</a:t>
+              <a:t>AVOID: Ignoring Data Strategy</a:t>
             </a:r>
             <a:br/>
             <a:r>
@@ -5271,12 +5240,8 @@
               <a:buNone/>
             </a:pPr>
             <a:r>
-              <a:rPr/>
-              <a:t>❌ </a:t>
-            </a:r>
-            <a:r>
               <a:rPr b="1"/>
-              <a:t>Skipping Observability</a:t>
+              <a:t>AVOID: Skipping Observability</a:t>
             </a:r>
             <a:br/>
             <a:r>
@@ -5289,12 +5254,8 @@
               <a:buNone/>
             </a:pPr>
             <a:r>
-              <a:rPr/>
-              <a:t>❌ </a:t>
-            </a:r>
-            <a:r>
               <a:rPr b="1"/>
-              <a:t>Forgetting Security</a:t>
+              <a:t>AVOID: Forgetting Security</a:t>
             </a:r>
             <a:br/>
             <a:r>
@@ -5558,10 +5519,6 @@
           <a:p>
             <a:pPr lvl="0"/>
             <a:r>
-              <a:rPr/>
-              <a:t>🔧 </a:t>
-            </a:r>
-            <a:r>
               <a:rPr b="1"/>
               <a:t>Konveyor</a:t>
             </a:r>
@@ -5573,20 +5530,12 @@
           <a:p>
             <a:pPr lvl="0"/>
             <a:r>
-              <a:rPr/>
-              <a:t>📊 </a:t>
-            </a:r>
-            <a:r>
               <a:rPr b="1"/>
               <a:t>Business case templates</a:t>
             </a:r>
           </a:p>
           <a:p>
             <a:pPr lvl="0"/>
-            <a:r>
-              <a:rPr/>
-              <a:t>👥 </a:t>
-            </a:r>
             <a:r>
               <a:rPr b="1"/>
               <a:t>Community best practices</a:t>
@@ -5688,7 +5637,7 @@
             </a:pPr>
             <a:r>
               <a:rPr/>
-              <a:t>💬 Let’s Discuss Your Modernization Challenges</a:t>
+              <a:t>Q&amp;A - Your Modernization Challenges</a:t>
             </a:r>
           </a:p>
         </p:txBody>
@@ -6045,7 +5994,7 @@
             </a:pPr>
             <a:r>
               <a:rPr/>
-              <a:t>🚀 Start Your Modernization Journey Today</a:t>
+              <a:t>Start Your Modernization Journey Today</a:t>
             </a:r>
           </a:p>
         </p:txBody>
@@ -6103,10 +6052,6 @@
               <a:buNone/>
             </a:pPr>
             <a:r>
-              <a:rPr/>
-              <a:t>📧 </a:t>
-            </a:r>
-            <a:r>
               <a:rPr b="1"/>
               <a:t>Mezba Rahman</a:t>
             </a:r>
@@ -6115,10 +6060,6 @@
               <a:t> - mezba.rahman@capgemini.com</a:t>
             </a:r>
             <a:br/>
-            <a:r>
-              <a:rPr/>
-              <a:t>🏢 </a:t>
-            </a:r>
             <a:r>
               <a:rPr b="1"/>
               <a:t>Platform Engineering, CIS Capgemini</a:t>
@@ -6141,10 +6082,6 @@
               <a:buNone/>
             </a:pPr>
             <a:r>
-              <a:rPr/>
-              <a:t>🌐 </a:t>
-            </a:r>
-            <a:r>
               <a:rPr b="1"/>
               <a:t>Konveyor Project</a:t>
             </a:r>
@@ -6154,10 +6091,6 @@
             </a:r>
             <a:br/>
             <a:r>
-              <a:rPr/>
-              <a:t>📖 </a:t>
-            </a:r>
-            <a:r>
               <a:rPr b="1"/>
               <a:t>Modernization Guides</a:t>
             </a:r>
@@ -6166,10 +6099,6 @@
               <a:t>: https://konveyor.io/docs</a:t>
             </a:r>
             <a:br/>
-            <a:r>
-              <a:rPr/>
-              <a:t>💻 </a:t>
-            </a:r>
             <a:r>
               <a:rPr b="1"/>
               <a:t>This Demo</a:t>
@@ -6467,7 +6396,7 @@
             </a:pPr>
             <a:r>
               <a:rPr/>
-              <a:t>✅ </a:t>
+              <a:t>COMPLETE: </a:t>
             </a:r>
             <a:r>
               <a:rPr b="1"/>
@@ -6476,7 +6405,7 @@
             <a:br/>
             <a:r>
               <a:rPr/>
-              <a:t>✅ </a:t>
+              <a:t>COMPLETE: </a:t>
             </a:r>
             <a:r>
               <a:rPr b="1"/>
@@ -6485,7 +6414,7 @@
             <a:br/>
             <a:r>
               <a:rPr/>
-              <a:t>✅ </a:t>
+              <a:t>COMPLETE: </a:t>
             </a:r>
             <a:r>
               <a:rPr b="1"/>
@@ -6494,7 +6423,7 @@
             <a:br/>
             <a:r>
               <a:rPr/>
-              <a:t>✅ </a:t>
+              <a:t>COMPLETE: </a:t>
             </a:r>
             <a:r>
               <a:rPr b="1"/>
@@ -6503,7 +6432,7 @@
             <a:br/>
             <a:r>
               <a:rPr/>
-              <a:t>✅ </a:t>
+              <a:t>COMPLETE: </a:t>
             </a:r>
             <a:r>
               <a:rPr b="1"/>
@@ -6512,7 +6441,7 @@
             <a:br/>
             <a:r>
               <a:rPr/>
-              <a:t>✅ </a:t>
+              <a:t>COMPLETE: </a:t>
             </a:r>
             <a:r>
               <a:rPr b="1"/>
@@ -6521,7 +6450,7 @@
             <a:br/>
             <a:r>
               <a:rPr/>
-              <a:t>✅ </a:t>
+              <a:t>COMPLETE: </a:t>
             </a:r>
             <a:r>
               <a:rPr b="1"/>
@@ -7019,13 +6948,13 @@
               <a:rPr>
                 <a:latin typeface="Courier"/>
               </a:rPr>
-              <a:t>🏢 Typical Enterprise (Fortune 500)
-📊 Application Portfolio:
+              <a:t>TYPICAL ENTERPRISE (Fortune 500)
+APPLICATION PORTFOLIO:
 ├── 2,000+ Applications
 ├── 70% Built 10+ Years Ago
 ├── Multiple Technologies
 └── Critical Business Logic
-⚠️  Current Challenges:
+CURRENT CHALLENGES:
 ├── $2M Annual Maintenance
 ├── 6-Month Release Cycles
 ├── Security Vulnerabilities
@@ -7126,16 +7055,16 @@
               </a:rPr>
               <a:t>mindmap
   root((Business Value))
-    (💰 Cost Reduction)
+    (Cost Reduction)
       60% Lower Infrastructure
       40% Faster Development
-    (🚀 Speed to Market)
+    (Speed to Market)
       Weekly vs Monthly Releases
       Continuous Deployment
-    (📈 Scalability)
+    (Scalability)
       Auto-scaling
       Global Distribution
-    (🔒 Security)
+    (Security)
       Modern Security Practices
       Compliance Ready</a:t>
             </a:r>
